--- a/pres/cheat3.pptx
+++ b/pres/cheat3.pptx
@@ -261,7 +261,7 @@
           <a:p>
             <a:fld id="{492C6F9E-1B9D-44EC-A0A8-ED3FB9BE29D1}" type="datetimeFigureOut">
               <a:rPr lang="en-US" smtClean="0"/>
-              <a:t>9/7/2018</a:t>
+              <a:t>9/13/2018</a:t>
             </a:fld>
             <a:endParaRPr lang="en-US"/>
           </a:p>
@@ -461,7 +461,7 @@
           <a:p>
             <a:fld id="{492C6F9E-1B9D-44EC-A0A8-ED3FB9BE29D1}" type="datetimeFigureOut">
               <a:rPr lang="en-US" smtClean="0"/>
-              <a:t>9/7/2018</a:t>
+              <a:t>9/13/2018</a:t>
             </a:fld>
             <a:endParaRPr lang="en-US"/>
           </a:p>
@@ -671,7 +671,7 @@
           <a:p>
             <a:fld id="{492C6F9E-1B9D-44EC-A0A8-ED3FB9BE29D1}" type="datetimeFigureOut">
               <a:rPr lang="en-US" smtClean="0"/>
-              <a:t>9/7/2018</a:t>
+              <a:t>9/13/2018</a:t>
             </a:fld>
             <a:endParaRPr lang="en-US"/>
           </a:p>
@@ -871,7 +871,7 @@
           <a:p>
             <a:fld id="{492C6F9E-1B9D-44EC-A0A8-ED3FB9BE29D1}" type="datetimeFigureOut">
               <a:rPr lang="en-US" smtClean="0"/>
-              <a:t>9/7/2018</a:t>
+              <a:t>9/13/2018</a:t>
             </a:fld>
             <a:endParaRPr lang="en-US"/>
           </a:p>
@@ -1147,7 +1147,7 @@
           <a:p>
             <a:fld id="{492C6F9E-1B9D-44EC-A0A8-ED3FB9BE29D1}" type="datetimeFigureOut">
               <a:rPr lang="en-US" smtClean="0"/>
-              <a:t>9/7/2018</a:t>
+              <a:t>9/13/2018</a:t>
             </a:fld>
             <a:endParaRPr lang="en-US"/>
           </a:p>
@@ -1415,7 +1415,7 @@
           <a:p>
             <a:fld id="{492C6F9E-1B9D-44EC-A0A8-ED3FB9BE29D1}" type="datetimeFigureOut">
               <a:rPr lang="en-US" smtClean="0"/>
-              <a:t>9/7/2018</a:t>
+              <a:t>9/13/2018</a:t>
             </a:fld>
             <a:endParaRPr lang="en-US"/>
           </a:p>
@@ -1830,7 +1830,7 @@
           <a:p>
             <a:fld id="{492C6F9E-1B9D-44EC-A0A8-ED3FB9BE29D1}" type="datetimeFigureOut">
               <a:rPr lang="en-US" smtClean="0"/>
-              <a:t>9/7/2018</a:t>
+              <a:t>9/13/2018</a:t>
             </a:fld>
             <a:endParaRPr lang="en-US"/>
           </a:p>
@@ -1972,7 +1972,7 @@
           <a:p>
             <a:fld id="{492C6F9E-1B9D-44EC-A0A8-ED3FB9BE29D1}" type="datetimeFigureOut">
               <a:rPr lang="en-US" smtClean="0"/>
-              <a:t>9/7/2018</a:t>
+              <a:t>9/13/2018</a:t>
             </a:fld>
             <a:endParaRPr lang="en-US"/>
           </a:p>
@@ -2085,7 +2085,7 @@
           <a:p>
             <a:fld id="{492C6F9E-1B9D-44EC-A0A8-ED3FB9BE29D1}" type="datetimeFigureOut">
               <a:rPr lang="en-US" smtClean="0"/>
-              <a:t>9/7/2018</a:t>
+              <a:t>9/13/2018</a:t>
             </a:fld>
             <a:endParaRPr lang="en-US"/>
           </a:p>
@@ -2398,7 +2398,7 @@
           <a:p>
             <a:fld id="{492C6F9E-1B9D-44EC-A0A8-ED3FB9BE29D1}" type="datetimeFigureOut">
               <a:rPr lang="en-US" smtClean="0"/>
-              <a:t>9/7/2018</a:t>
+              <a:t>9/13/2018</a:t>
             </a:fld>
             <a:endParaRPr lang="en-US"/>
           </a:p>
@@ -2687,7 +2687,7 @@
           <a:p>
             <a:fld id="{492C6F9E-1B9D-44EC-A0A8-ED3FB9BE29D1}" type="datetimeFigureOut">
               <a:rPr lang="en-US" smtClean="0"/>
-              <a:t>9/7/2018</a:t>
+              <a:t>9/13/2018</a:t>
             </a:fld>
             <a:endParaRPr lang="en-US"/>
           </a:p>
@@ -2930,7 +2930,7 @@
           <a:p>
             <a:fld id="{492C6F9E-1B9D-44EC-A0A8-ED3FB9BE29D1}" type="datetimeFigureOut">
               <a:rPr lang="en-US" smtClean="0"/>
-              <a:t>9/7/2018</a:t>
+              <a:t>9/13/2018</a:t>
             </a:fld>
             <a:endParaRPr lang="en-US"/>
           </a:p>
@@ -3361,8 +3361,8 @@
         </p:nvSpPr>
         <p:spPr>
           <a:xfrm>
-            <a:off x="1446057" y="2588222"/>
-            <a:ext cx="1801905" cy="1069819"/>
+            <a:off x="1311160" y="2549601"/>
+            <a:ext cx="2071714" cy="1069819"/>
           </a:xfrm>
           <a:prstGeom prst="rect">
             <a:avLst/>
@@ -3473,7 +3473,7 @@
         </p:blipFill>
         <p:spPr>
           <a:xfrm rot="10800000">
-            <a:off x="2005283" y="1866150"/>
+            <a:off x="2005281" y="1840604"/>
             <a:ext cx="683451" cy="683451"/>
           </a:xfrm>
           <a:prstGeom prst="rect">
@@ -3550,8 +3550,16 @@
           <a:p>
             <a:pPr algn="ctr"/>
             <a:r>
+              <a:rPr lang="it-IT" sz="1600" i="1" dirty="0">
+                <a:solidFill>
+                  <a:srgbClr val="FF0000"/>
+                </a:solidFill>
+              </a:rPr>
+              <a:t>DISAGGREGATED</a:t>
+            </a:r>
+            <a:r>
               <a:rPr lang="it-IT" sz="1600" i="1" dirty="0"/>
-              <a:t>DISAGGREGATED DATA</a:t>
+              <a:t> DATA</a:t>
             </a:r>
             <a:endParaRPr lang="en-US" sz="1600" i="1" dirty="0"/>
           </a:p>
@@ -3571,8 +3579,8 @@
         </p:nvSpPr>
         <p:spPr>
           <a:xfrm>
-            <a:off x="1446058" y="2588222"/>
-            <a:ext cx="1801904" cy="338554"/>
+            <a:off x="1311160" y="2549601"/>
+            <a:ext cx="2071713" cy="338554"/>
           </a:xfrm>
           <a:prstGeom prst="rect">
             <a:avLst/>
@@ -3580,7 +3588,7 @@
           <a:noFill/>
         </p:spPr>
         <p:txBody>
-          <a:bodyPr wrap="none" rtlCol="0">
+          <a:bodyPr wrap="square" rtlCol="0">
             <a:spAutoFit/>
           </a:bodyPr>
           <a:lstStyle/>
@@ -3671,130 +3679,21 @@
           <a:p>
             <a:pPr algn="ctr"/>
             <a:r>
+              <a:rPr lang="it-IT" sz="1600" i="1" dirty="0">
+                <a:solidFill>
+                  <a:srgbClr val="FF0000"/>
+                </a:solidFill>
+              </a:rPr>
+              <a:t>AGGREGATED</a:t>
+            </a:r>
+            <a:r>
               <a:rPr lang="it-IT" sz="1600" i="1" dirty="0"/>
-              <a:t>AGGREGATED DATA</a:t>
+              <a:t> DATA</a:t>
             </a:r>
             <a:endParaRPr lang="en-US" sz="1600" i="1" dirty="0"/>
           </a:p>
         </p:txBody>
       </p:sp>
-      <p:pic>
-        <p:nvPicPr>
-          <p:cNvPr id="10" name="Elemento grafico 9" descr="Tavolo">
-            <a:extLst>
-              <a:ext uri="{FF2B5EF4-FFF2-40B4-BE49-F238E27FC236}">
-                <a16:creationId xmlns:a16="http://schemas.microsoft.com/office/drawing/2014/main" id="{F31B23DC-168C-43F6-B6FB-A1BA2111D48B}"/>
-              </a:ext>
-            </a:extLst>
-          </p:cNvPr>
-          <p:cNvPicPr>
-            <a:picLocks noChangeAspect="1"/>
-          </p:cNvPicPr>
-          <p:nvPr/>
-        </p:nvPicPr>
-        <p:blipFill>
-          <a:blip r:embed="rId4">
-            <a:extLst>
-              <a:ext uri="{28A0092B-C50C-407E-A947-70E740481C1C}">
-                <a14:useLocalDpi xmlns:a14="http://schemas.microsoft.com/office/drawing/2010/main" val="0"/>
-              </a:ext>
-              <a:ext uri="{96DAC541-7B7A-43D3-8B79-37D633B846F1}">
-                <asvg:svgBlip xmlns:asvg="http://schemas.microsoft.com/office/drawing/2016/SVG/main" r:embed="rId5"/>
-              </a:ext>
-            </a:extLst>
-          </a:blip>
-          <a:stretch>
-            <a:fillRect/>
-          </a:stretch>
-        </p:blipFill>
-        <p:spPr>
-          <a:xfrm>
-            <a:off x="1889810" y="569068"/>
-            <a:ext cx="914400" cy="914400"/>
-          </a:xfrm>
-          <a:prstGeom prst="rect">
-            <a:avLst/>
-          </a:prstGeom>
-        </p:spPr>
-      </p:pic>
-      <p:pic>
-        <p:nvPicPr>
-          <p:cNvPr id="11" name="Elemento grafico 10" descr="Tavolo">
-            <a:extLst>
-              <a:ext uri="{FF2B5EF4-FFF2-40B4-BE49-F238E27FC236}">
-                <a16:creationId xmlns:a16="http://schemas.microsoft.com/office/drawing/2014/main" id="{4D37DA98-1743-46BC-B5AA-B3BE9CDD612E}"/>
-              </a:ext>
-            </a:extLst>
-          </p:cNvPr>
-          <p:cNvPicPr>
-            <a:picLocks noChangeAspect="1"/>
-          </p:cNvPicPr>
-          <p:nvPr/>
-        </p:nvPicPr>
-        <p:blipFill>
-          <a:blip r:embed="rId6">
-            <a:extLst>
-              <a:ext uri="{28A0092B-C50C-407E-A947-70E740481C1C}">
-                <a14:useLocalDpi xmlns:a14="http://schemas.microsoft.com/office/drawing/2010/main" val="0"/>
-              </a:ext>
-              <a:ext uri="{96DAC541-7B7A-43D3-8B79-37D633B846F1}">
-                <asvg:svgBlip xmlns:asvg="http://schemas.microsoft.com/office/drawing/2016/SVG/main" r:embed="rId7"/>
-              </a:ext>
-            </a:extLst>
-          </a:blip>
-          <a:stretch>
-            <a:fillRect/>
-          </a:stretch>
-        </p:blipFill>
-        <p:spPr>
-          <a:xfrm>
-            <a:off x="1889810" y="2775097"/>
-            <a:ext cx="914400" cy="914400"/>
-          </a:xfrm>
-          <a:prstGeom prst="rect">
-            <a:avLst/>
-          </a:prstGeom>
-        </p:spPr>
-      </p:pic>
-      <p:pic>
-        <p:nvPicPr>
-          <p:cNvPr id="12" name="Elemento grafico 11" descr="Tavolo">
-            <a:extLst>
-              <a:ext uri="{FF2B5EF4-FFF2-40B4-BE49-F238E27FC236}">
-                <a16:creationId xmlns:a16="http://schemas.microsoft.com/office/drawing/2014/main" id="{0ED2F495-C2A9-40C7-AC03-B3C791E61F17}"/>
-              </a:ext>
-            </a:extLst>
-          </p:cNvPr>
-          <p:cNvPicPr>
-            <a:picLocks noChangeAspect="1"/>
-          </p:cNvPicPr>
-          <p:nvPr/>
-        </p:nvPicPr>
-        <p:blipFill>
-          <a:blip r:embed="rId8">
-            <a:extLst>
-              <a:ext uri="{28A0092B-C50C-407E-A947-70E740481C1C}">
-                <a14:useLocalDpi xmlns:a14="http://schemas.microsoft.com/office/drawing/2010/main" val="0"/>
-              </a:ext>
-              <a:ext uri="{96DAC541-7B7A-43D3-8B79-37D633B846F1}">
-                <asvg:svgBlip xmlns:asvg="http://schemas.microsoft.com/office/drawing/2016/SVG/main" r:embed="rId9"/>
-              </a:ext>
-            </a:extLst>
-          </a:blip>
-          <a:stretch>
-            <a:fillRect/>
-          </a:stretch>
-        </p:blipFill>
-        <p:spPr>
-          <a:xfrm>
-            <a:off x="4744798" y="519615"/>
-            <a:ext cx="914400" cy="914400"/>
-          </a:xfrm>
-          <a:prstGeom prst="rect">
-            <a:avLst/>
-          </a:prstGeom>
-        </p:spPr>
-      </p:pic>
       <p:sp>
         <p:nvSpPr>
           <p:cNvPr id="20" name="Rettangolo 19">
@@ -3876,8 +3775,16 @@
           <a:p>
             <a:pPr algn="ctr"/>
             <a:r>
+              <a:rPr lang="it-IT" b="1" dirty="0">
+                <a:solidFill>
+                  <a:srgbClr val="0070C0"/>
+                </a:solidFill>
+              </a:rPr>
+              <a:t>JOINED</a:t>
+            </a:r>
+            <a:r>
               <a:rPr lang="it-IT" b="1" dirty="0"/>
-              <a:t>JOINED DATA</a:t>
+              <a:t> DATA</a:t>
             </a:r>
           </a:p>
         </p:txBody>
@@ -3897,13 +3804,13 @@
           <p:nvPr/>
         </p:nvPicPr>
         <p:blipFill>
-          <a:blip r:embed="rId10">
+          <a:blip r:embed="rId4">
             <a:extLst>
               <a:ext uri="{28A0092B-C50C-407E-A947-70E740481C1C}">
                 <a14:useLocalDpi xmlns:a14="http://schemas.microsoft.com/office/drawing/2010/main" val="0"/>
               </a:ext>
               <a:ext uri="{96DAC541-7B7A-43D3-8B79-37D633B846F1}">
-                <asvg:svgBlip xmlns:asvg="http://schemas.microsoft.com/office/drawing/2016/SVG/main" r:embed="rId11"/>
+                <asvg:svgBlip xmlns:asvg="http://schemas.microsoft.com/office/drawing/2016/SVG/main" r:embed="rId5"/>
               </a:ext>
             </a:extLst>
           </a:blip>
@@ -3977,8 +3884,8 @@
         </p:nvCxnSpPr>
         <p:spPr>
           <a:xfrm flipH="1">
-            <a:off x="3247962" y="3123132"/>
-            <a:ext cx="1906410" cy="0"/>
+            <a:off x="3382874" y="3084510"/>
+            <a:ext cx="1770701" cy="1"/>
           </a:xfrm>
           <a:prstGeom prst="line">
             <a:avLst/>
@@ -4014,9 +3921,9 @@
           <p:nvPr/>
         </p:nvCxnSpPr>
         <p:spPr>
-          <a:xfrm>
-            <a:off x="5154372" y="2712163"/>
-            <a:ext cx="0" cy="410969"/>
+          <a:xfrm flipH="1">
+            <a:off x="5153575" y="2712163"/>
+            <a:ext cx="797" cy="372347"/>
           </a:xfrm>
           <a:prstGeom prst="line">
             <a:avLst/>
@@ -4119,6 +4026,316 @@
           </a:fontRef>
         </p:style>
       </p:cxnSp>
+      <p:sp>
+        <p:nvSpPr>
+          <p:cNvPr id="2" name="CasellaDiTesto 1">
+            <a:extLst>
+              <a:ext uri="{FF2B5EF4-FFF2-40B4-BE49-F238E27FC236}">
+                <a16:creationId xmlns:a16="http://schemas.microsoft.com/office/drawing/2014/main" id="{066BDCC6-9500-45E0-A222-BB994329E91D}"/>
+              </a:ext>
+            </a:extLst>
+          </p:cNvPr>
+          <p:cNvSpPr txBox="1"/>
+          <p:nvPr/>
+        </p:nvSpPr>
+        <p:spPr>
+          <a:xfrm>
+            <a:off x="1534926" y="893367"/>
+            <a:ext cx="1624163" cy="369332"/>
+          </a:xfrm>
+          <a:prstGeom prst="rect">
+            <a:avLst/>
+          </a:prstGeom>
+          <a:noFill/>
+        </p:spPr>
+        <p:txBody>
+          <a:bodyPr wrap="none" rtlCol="0">
+            <a:spAutoFit/>
+          </a:bodyPr>
+          <a:lstStyle/>
+          <a:p>
+            <a:r>
+              <a:rPr lang="it-IT" b="1" dirty="0">
+                <a:solidFill>
+                  <a:schemeClr val="bg1">
+                    <a:lumMod val="50000"/>
+                  </a:schemeClr>
+                </a:solidFill>
+              </a:rPr>
+              <a:t>KEY</a:t>
+            </a:r>
+            <a:r>
+              <a:rPr lang="it-IT" dirty="0">
+                <a:solidFill>
+                  <a:schemeClr val="bg1">
+                    <a:lumMod val="50000"/>
+                  </a:schemeClr>
+                </a:solidFill>
+              </a:rPr>
+              <a:t>: </a:t>
+            </a:r>
+            <a:r>
+              <a:rPr lang="it-IT" dirty="0">
+                <a:solidFill>
+                  <a:schemeClr val="bg1">
+                    <a:lumMod val="50000"/>
+                  </a:schemeClr>
+                </a:solidFill>
+                <a:latin typeface="Courier New" panose="02070309020205020404" pitchFamily="49" charset="0"/>
+                <a:cs typeface="Courier New" panose="02070309020205020404" pitchFamily="49" charset="0"/>
+              </a:rPr>
+              <a:t>stud_ID</a:t>
+            </a:r>
+            <a:endParaRPr lang="en-US" dirty="0">
+              <a:solidFill>
+                <a:schemeClr val="bg1">
+                  <a:lumMod val="50000"/>
+                </a:schemeClr>
+              </a:solidFill>
+            </a:endParaRPr>
+          </a:p>
+        </p:txBody>
+      </p:sp>
+      <p:sp>
+        <p:nvSpPr>
+          <p:cNvPr id="23" name="CasellaDiTesto 22">
+            <a:extLst>
+              <a:ext uri="{FF2B5EF4-FFF2-40B4-BE49-F238E27FC236}">
+                <a16:creationId xmlns:a16="http://schemas.microsoft.com/office/drawing/2014/main" id="{CAC4429E-A3E0-49DD-935A-103835156E33}"/>
+              </a:ext>
+            </a:extLst>
+          </p:cNvPr>
+          <p:cNvSpPr txBox="1"/>
+          <p:nvPr/>
+        </p:nvSpPr>
+        <p:spPr>
+          <a:xfrm>
+            <a:off x="1344275" y="2888155"/>
+            <a:ext cx="2005485" cy="646331"/>
+          </a:xfrm>
+          <a:prstGeom prst="rect">
+            <a:avLst/>
+          </a:prstGeom>
+          <a:noFill/>
+        </p:spPr>
+        <p:txBody>
+          <a:bodyPr wrap="none" rtlCol="0">
+            <a:spAutoFit/>
+          </a:bodyPr>
+          <a:lstStyle/>
+          <a:p>
+            <a:r>
+              <a:rPr lang="it-IT" b="1" dirty="0">
+                <a:solidFill>
+                  <a:schemeClr val="bg1">
+                    <a:lumMod val="50000"/>
+                  </a:schemeClr>
+                </a:solidFill>
+              </a:rPr>
+              <a:t>KEYS</a:t>
+            </a:r>
+            <a:r>
+              <a:rPr lang="it-IT" dirty="0">
+                <a:solidFill>
+                  <a:schemeClr val="bg1">
+                    <a:lumMod val="50000"/>
+                  </a:schemeClr>
+                </a:solidFill>
+              </a:rPr>
+              <a:t>: </a:t>
+            </a:r>
+            <a:r>
+              <a:rPr lang="it-IT" dirty="0">
+                <a:solidFill>
+                  <a:schemeClr val="bg1">
+                    <a:lumMod val="50000"/>
+                  </a:schemeClr>
+                </a:solidFill>
+                <a:latin typeface="Courier New" panose="02070309020205020404" pitchFamily="49" charset="0"/>
+                <a:cs typeface="Courier New" panose="02070309020205020404" pitchFamily="49" charset="0"/>
+              </a:rPr>
+              <a:t>course_ID</a:t>
+            </a:r>
+          </a:p>
+          <a:p>
+            <a:r>
+              <a:rPr lang="it-IT" dirty="0">
+                <a:solidFill>
+                  <a:schemeClr val="bg1">
+                    <a:lumMod val="50000"/>
+                  </a:schemeClr>
+                </a:solidFill>
+                <a:latin typeface="Courier New" panose="02070309020205020404" pitchFamily="49" charset="0"/>
+                <a:cs typeface="Courier New" panose="02070309020205020404" pitchFamily="49" charset="0"/>
+              </a:rPr>
+              <a:t>  </a:t>
+            </a:r>
+            <a:r>
+              <a:rPr lang="it-IT" sz="500" dirty="0">
+                <a:solidFill>
+                  <a:schemeClr val="bg1">
+                    <a:lumMod val="50000"/>
+                  </a:schemeClr>
+                </a:solidFill>
+                <a:latin typeface="Courier New" panose="02070309020205020404" pitchFamily="49" charset="0"/>
+                <a:cs typeface="Courier New" panose="02070309020205020404" pitchFamily="49" charset="0"/>
+              </a:rPr>
+              <a:t> </a:t>
+            </a:r>
+            <a:r>
+              <a:rPr lang="it-IT" sz="1600" dirty="0">
+                <a:solidFill>
+                  <a:schemeClr val="bg1">
+                    <a:lumMod val="50000"/>
+                  </a:schemeClr>
+                </a:solidFill>
+                <a:latin typeface="Courier New" panose="02070309020205020404" pitchFamily="49" charset="0"/>
+                <a:cs typeface="Courier New" panose="02070309020205020404" pitchFamily="49" charset="0"/>
+              </a:rPr>
+              <a:t> </a:t>
+            </a:r>
+            <a:r>
+              <a:rPr lang="it-IT" dirty="0">
+                <a:solidFill>
+                  <a:schemeClr val="bg1">
+                    <a:lumMod val="50000"/>
+                  </a:schemeClr>
+                </a:solidFill>
+                <a:latin typeface="Courier New" panose="02070309020205020404" pitchFamily="49" charset="0"/>
+                <a:cs typeface="Courier New" panose="02070309020205020404" pitchFamily="49" charset="0"/>
+              </a:rPr>
+              <a:t> year</a:t>
+            </a:r>
+            <a:endParaRPr lang="en-US" dirty="0">
+              <a:solidFill>
+                <a:schemeClr val="bg1">
+                  <a:lumMod val="50000"/>
+                </a:schemeClr>
+              </a:solidFill>
+            </a:endParaRPr>
+          </a:p>
+        </p:txBody>
+      </p:sp>
+      <p:sp>
+        <p:nvSpPr>
+          <p:cNvPr id="26" name="CasellaDiTesto 25">
+            <a:extLst>
+              <a:ext uri="{FF2B5EF4-FFF2-40B4-BE49-F238E27FC236}">
+                <a16:creationId xmlns:a16="http://schemas.microsoft.com/office/drawing/2014/main" id="{AE3026D9-905E-4017-8F74-FC2582D0DB8C}"/>
+              </a:ext>
+            </a:extLst>
+          </p:cNvPr>
+          <p:cNvSpPr txBox="1"/>
+          <p:nvPr/>
+        </p:nvSpPr>
+        <p:spPr>
+          <a:xfrm>
+            <a:off x="4154451" y="749022"/>
+            <a:ext cx="2005485" cy="646331"/>
+          </a:xfrm>
+          <a:prstGeom prst="rect">
+            <a:avLst/>
+          </a:prstGeom>
+          <a:noFill/>
+        </p:spPr>
+        <p:txBody>
+          <a:bodyPr wrap="none" rtlCol="0">
+            <a:spAutoFit/>
+          </a:bodyPr>
+          <a:lstStyle/>
+          <a:p>
+            <a:r>
+              <a:rPr lang="it-IT" b="1" dirty="0">
+                <a:solidFill>
+                  <a:schemeClr val="bg1">
+                    <a:lumMod val="50000"/>
+                  </a:schemeClr>
+                </a:solidFill>
+              </a:rPr>
+              <a:t>KEYS</a:t>
+            </a:r>
+            <a:r>
+              <a:rPr lang="it-IT" dirty="0">
+                <a:solidFill>
+                  <a:schemeClr val="bg1">
+                    <a:lumMod val="50000"/>
+                  </a:schemeClr>
+                </a:solidFill>
+              </a:rPr>
+              <a:t>: </a:t>
+            </a:r>
+            <a:r>
+              <a:rPr lang="it-IT" dirty="0">
+                <a:solidFill>
+                  <a:schemeClr val="bg1">
+                    <a:lumMod val="50000"/>
+                  </a:schemeClr>
+                </a:solidFill>
+                <a:latin typeface="Courier New" panose="02070309020205020404" pitchFamily="49" charset="0"/>
+                <a:cs typeface="Courier New" panose="02070309020205020404" pitchFamily="49" charset="0"/>
+              </a:rPr>
+              <a:t>course_ID</a:t>
+            </a:r>
+          </a:p>
+          <a:p>
+            <a:r>
+              <a:rPr lang="it-IT" dirty="0">
+                <a:solidFill>
+                  <a:schemeClr val="bg1">
+                    <a:lumMod val="50000"/>
+                  </a:schemeClr>
+                </a:solidFill>
+                <a:latin typeface="Courier New" panose="02070309020205020404" pitchFamily="49" charset="0"/>
+                <a:cs typeface="Courier New" panose="02070309020205020404" pitchFamily="49" charset="0"/>
+              </a:rPr>
+              <a:t>  </a:t>
+            </a:r>
+            <a:r>
+              <a:rPr lang="it-IT" sz="500" dirty="0">
+                <a:solidFill>
+                  <a:schemeClr val="bg1">
+                    <a:lumMod val="50000"/>
+                  </a:schemeClr>
+                </a:solidFill>
+                <a:latin typeface="Courier New" panose="02070309020205020404" pitchFamily="49" charset="0"/>
+                <a:cs typeface="Courier New" panose="02070309020205020404" pitchFamily="49" charset="0"/>
+              </a:rPr>
+              <a:t> </a:t>
+            </a:r>
+            <a:r>
+              <a:rPr lang="it-IT" sz="1600" dirty="0">
+                <a:solidFill>
+                  <a:schemeClr val="bg1">
+                    <a:lumMod val="50000"/>
+                  </a:schemeClr>
+                </a:solidFill>
+                <a:latin typeface="Courier New" panose="02070309020205020404" pitchFamily="49" charset="0"/>
+                <a:cs typeface="Courier New" panose="02070309020205020404" pitchFamily="49" charset="0"/>
+              </a:rPr>
+              <a:t> </a:t>
+            </a:r>
+            <a:r>
+              <a:rPr lang="it-IT" dirty="0">
+                <a:solidFill>
+                  <a:schemeClr val="bg1">
+                    <a:lumMod val="50000"/>
+                  </a:schemeClr>
+                </a:solidFill>
+                <a:latin typeface="Courier New" panose="02070309020205020404" pitchFamily="49" charset="0"/>
+                <a:cs typeface="Courier New" panose="02070309020205020404" pitchFamily="49" charset="0"/>
+              </a:rPr>
+              <a:t> year</a:t>
+            </a:r>
+            <a:endParaRPr lang="en-US" dirty="0">
+              <a:solidFill>
+                <a:schemeClr val="bg1">
+                  <a:lumMod val="50000"/>
+                </a:schemeClr>
+              </a:solidFill>
+            </a:endParaRPr>
+          </a:p>
+        </p:txBody>
+      </p:sp>
     </p:spTree>
     <p:extLst>
       <p:ext uri="{BB962C8B-B14F-4D97-AF65-F5344CB8AC3E}">
